--- a/Cancer_Prediction_Slides.pptx
+++ b/Cancer_Prediction_Slides.pptx
@@ -294,7 +294,7 @@
           <a:p>
             <a:fld id="{3BCEB82B-E792-4A9B-993F-114B90F6AEAC}" type="datetimeFigureOut">
               <a:rPr lang="en-US" smtClean="0"/>
-              <a:t>8/29/2024</a:t>
+              <a:t>8/30/2024</a:t>
             </a:fld>
             <a:endParaRPr lang="en-US"/>
           </a:p>
@@ -561,7 +561,7 @@
           <a:p>
             <a:fld id="{3BCEB82B-E792-4A9B-993F-114B90F6AEAC}" type="datetimeFigureOut">
               <a:rPr lang="en-US" smtClean="0"/>
-              <a:t>8/29/2024</a:t>
+              <a:t>8/30/2024</a:t>
             </a:fld>
             <a:endParaRPr lang="en-US"/>
           </a:p>
@@ -792,7 +792,7 @@
           <a:p>
             <a:fld id="{3BCEB82B-E792-4A9B-993F-114B90F6AEAC}" type="datetimeFigureOut">
               <a:rPr lang="en-US" smtClean="0"/>
-              <a:t>8/29/2024</a:t>
+              <a:t>8/30/2024</a:t>
             </a:fld>
             <a:endParaRPr lang="en-US"/>
           </a:p>
@@ -1102,7 +1102,7 @@
           <a:p>
             <a:fld id="{3BCEB82B-E792-4A9B-993F-114B90F6AEAC}" type="datetimeFigureOut">
               <a:rPr lang="en-US" smtClean="0"/>
-              <a:t>8/29/2024</a:t>
+              <a:t>8/30/2024</a:t>
             </a:fld>
             <a:endParaRPr lang="en-US"/>
           </a:p>
@@ -1575,7 +1575,7 @@
           <a:p>
             <a:fld id="{3BCEB82B-E792-4A9B-993F-114B90F6AEAC}" type="datetimeFigureOut">
               <a:rPr lang="en-US" smtClean="0"/>
-              <a:t>8/29/2024</a:t>
+              <a:t>8/30/2024</a:t>
             </a:fld>
             <a:endParaRPr lang="en-US"/>
           </a:p>
@@ -2122,7 +2122,7 @@
           <a:p>
             <a:fld id="{3BCEB82B-E792-4A9B-993F-114B90F6AEAC}" type="datetimeFigureOut">
               <a:rPr lang="en-US" smtClean="0"/>
-              <a:t>8/29/2024</a:t>
+              <a:t>8/30/2024</a:t>
             </a:fld>
             <a:endParaRPr lang="en-US"/>
           </a:p>
@@ -2896,7 +2896,7 @@
           <a:p>
             <a:fld id="{3BCEB82B-E792-4A9B-993F-114B90F6AEAC}" type="datetimeFigureOut">
               <a:rPr lang="en-US" smtClean="0"/>
-              <a:t>8/29/2024</a:t>
+              <a:t>8/30/2024</a:t>
             </a:fld>
             <a:endParaRPr lang="en-US"/>
           </a:p>
@@ -3071,7 +3071,7 @@
           <a:p>
             <a:fld id="{3BCEB82B-E792-4A9B-993F-114B90F6AEAC}" type="datetimeFigureOut">
               <a:rPr lang="en-US" smtClean="0"/>
-              <a:t>8/29/2024</a:t>
+              <a:t>8/30/2024</a:t>
             </a:fld>
             <a:endParaRPr lang="en-US"/>
           </a:p>
@@ -3294,7 +3294,7 @@
           <a:p>
             <a:fld id="{3BCEB82B-E792-4A9B-993F-114B90F6AEAC}" type="datetimeFigureOut">
               <a:rPr lang="en-US" smtClean="0"/>
-              <a:t>8/29/2024</a:t>
+              <a:t>8/30/2024</a:t>
             </a:fld>
             <a:endParaRPr lang="en-US"/>
           </a:p>
@@ -3474,7 +3474,7 @@
           <a:p>
             <a:fld id="{3BCEB82B-E792-4A9B-993F-114B90F6AEAC}" type="datetimeFigureOut">
               <a:rPr lang="en-US" smtClean="0"/>
-              <a:t>8/29/2024</a:t>
+              <a:t>8/30/2024</a:t>
             </a:fld>
             <a:endParaRPr lang="en-US"/>
           </a:p>
@@ -3763,7 +3763,7 @@
           <a:p>
             <a:fld id="{3BCEB82B-E792-4A9B-993F-114B90F6AEAC}" type="datetimeFigureOut">
               <a:rPr lang="en-US" smtClean="0"/>
-              <a:t>8/29/2024</a:t>
+              <a:t>8/30/2024</a:t>
             </a:fld>
             <a:endParaRPr lang="en-US"/>
           </a:p>
@@ -4005,7 +4005,7 @@
           <a:p>
             <a:fld id="{3BCEB82B-E792-4A9B-993F-114B90F6AEAC}" type="datetimeFigureOut">
               <a:rPr lang="en-US" smtClean="0"/>
-              <a:t>8/29/2024</a:t>
+              <a:t>8/30/2024</a:t>
             </a:fld>
             <a:endParaRPr lang="en-US"/>
           </a:p>
@@ -4384,7 +4384,7 @@
           <a:p>
             <a:fld id="{3BCEB82B-E792-4A9B-993F-114B90F6AEAC}" type="datetimeFigureOut">
               <a:rPr lang="en-US" smtClean="0"/>
-              <a:t>8/29/2024</a:t>
+              <a:t>8/30/2024</a:t>
             </a:fld>
             <a:endParaRPr lang="en-US"/>
           </a:p>
@@ -4502,7 +4502,7 @@
           <a:p>
             <a:fld id="{3BCEB82B-E792-4A9B-993F-114B90F6AEAC}" type="datetimeFigureOut">
               <a:rPr lang="en-US" smtClean="0"/>
-              <a:t>8/29/2024</a:t>
+              <a:t>8/30/2024</a:t>
             </a:fld>
             <a:endParaRPr lang="en-US"/>
           </a:p>
@@ -4597,7 +4597,7 @@
           <a:p>
             <a:fld id="{3BCEB82B-E792-4A9B-993F-114B90F6AEAC}" type="datetimeFigureOut">
               <a:rPr lang="en-US" smtClean="0"/>
-              <a:t>8/29/2024</a:t>
+              <a:t>8/30/2024</a:t>
             </a:fld>
             <a:endParaRPr lang="en-US"/>
           </a:p>
@@ -4846,7 +4846,7 @@
           <a:p>
             <a:fld id="{3BCEB82B-E792-4A9B-993F-114B90F6AEAC}" type="datetimeFigureOut">
               <a:rPr lang="en-US" smtClean="0"/>
-              <a:t>8/29/2024</a:t>
+              <a:t>8/30/2024</a:t>
             </a:fld>
             <a:endParaRPr lang="en-US"/>
           </a:p>
@@ -5103,7 +5103,7 @@
           <a:p>
             <a:fld id="{3BCEB82B-E792-4A9B-993F-114B90F6AEAC}" type="datetimeFigureOut">
               <a:rPr lang="en-US" smtClean="0"/>
-              <a:t>8/29/2024</a:t>
+              <a:t>8/30/2024</a:t>
             </a:fld>
             <a:endParaRPr lang="en-US"/>
           </a:p>
@@ -5346,7 +5346,7 @@
           <a:p>
             <a:fld id="{3BCEB82B-E792-4A9B-993F-114B90F6AEAC}" type="datetimeFigureOut">
               <a:rPr lang="en-US" smtClean="0"/>
-              <a:t>8/29/2024</a:t>
+              <a:t>8/30/2024</a:t>
             </a:fld>
             <a:endParaRPr lang="en-US"/>
           </a:p>
@@ -7266,10 +7266,10 @@
       </p:sp>
       <p:pic>
         <p:nvPicPr>
-          <p:cNvPr id="5" name="Content Placeholder 4">
+          <p:cNvPr id="11" name="Content Placeholder 10">
             <a:extLst>
               <a:ext uri="{FF2B5EF4-FFF2-40B4-BE49-F238E27FC236}">
-                <a16:creationId xmlns:a16="http://schemas.microsoft.com/office/drawing/2014/main" id="{B8DAF704-E474-A5E9-B409-BEAE884473E3}"/>
+                <a16:creationId xmlns:a16="http://schemas.microsoft.com/office/drawing/2014/main" id="{189926A3-F818-FCE5-4A52-783549FD6D2C}"/>
               </a:ext>
             </a:extLst>
           </p:cNvPr>
@@ -7288,8 +7288,8 @@
         </p:blipFill>
         <p:spPr>
           <a:xfrm>
-            <a:off x="685800" y="1114424"/>
-            <a:ext cx="10820399" cy="5743575"/>
+            <a:off x="240632" y="1114424"/>
+            <a:ext cx="11774905" cy="5743575"/>
           </a:xfrm>
         </p:spPr>
       </p:pic>
